--- a/High-Speed Tracking-by-Detection Without Using Image Information.pptx
+++ b/High-Speed Tracking-by-Detection Without Using Image Information.pptx
@@ -111,6 +111,11 @@
       </a:defRPr>
     </a:lvl9pPr>
   </p:defaultTextStyle>
+  <p:extLst>
+    <p:ext uri="{EFAFB233-063F-42B5-8137-9DF3F51BA10A}">
+      <p15:sldGuideLst xmlns:p15="http://schemas.microsoft.com/office/powerpoint/2012/main"/>
+    </p:ext>
+  </p:extLst>
 </p:presentation>
 </file>
 
@@ -119,7 +124,7 @@
   <pc:docChgLst>
     <pc:chgData name="Zhihao Zhao" userId="25f230c4-357c-44aa-9f56-3a1d9de1528e" providerId="ADAL" clId="{89FB8CAE-E909-4A1B-AC27-F9CC9CF6CE03}"/>
     <pc:docChg chg="undo custSel addSld modSld">
-      <pc:chgData name="Zhihao Zhao" userId="25f230c4-357c-44aa-9f56-3a1d9de1528e" providerId="ADAL" clId="{89FB8CAE-E909-4A1B-AC27-F9CC9CF6CE03}" dt="2018-02-09T05:34:55.452" v="2058" actId="20577"/>
+      <pc:chgData name="Zhihao Zhao" userId="25f230c4-357c-44aa-9f56-3a1d9de1528e" providerId="ADAL" clId="{89FB8CAE-E909-4A1B-AC27-F9CC9CF6CE03}" dt="2018-02-27T07:28:10.267" v="2086"/>
       <pc:docMkLst>
         <pc:docMk/>
       </pc:docMkLst>
@@ -153,7 +158,7 @@
           <pc:sldMk cId="4180788267" sldId="257"/>
         </pc:sldMkLst>
         <pc:spChg chg="mod">
-          <ac:chgData name="Zhihao Zhao" userId="25f230c4-357c-44aa-9f56-3a1d9de1528e" providerId="ADAL" clId="{89FB8CAE-E909-4A1B-AC27-F9CC9CF6CE03}" dt="2018-02-09T05:14:43.953" v="1184"/>
+          <ac:chgData name="Zhihao Zhao" userId="25f230c4-357c-44aa-9f56-3a1d9de1528e" providerId="ADAL" clId="{89FB8CAE-E909-4A1B-AC27-F9CC9CF6CE03}" dt="2018-02-09T05:14:43.953" v="1184" actId="20577"/>
           <ac:spMkLst>
             <pc:docMk/>
             <pc:sldMk cId="4180788267" sldId="257"/>
@@ -170,7 +175,7 @@
         </pc:spChg>
       </pc:sldChg>
       <pc:sldChg chg="addSp delSp modSp add">
-        <pc:chgData name="Zhihao Zhao" userId="25f230c4-357c-44aa-9f56-3a1d9de1528e" providerId="ADAL" clId="{89FB8CAE-E909-4A1B-AC27-F9CC9CF6CE03}" dt="2018-02-09T04:25:33.667" v="1129"/>
+        <pc:chgData name="Zhihao Zhao" userId="25f230c4-357c-44aa-9f56-3a1d9de1528e" providerId="ADAL" clId="{89FB8CAE-E909-4A1B-AC27-F9CC9CF6CE03}" dt="2018-02-09T04:25:33.667" v="1129" actId="20577"/>
         <pc:sldMkLst>
           <pc:docMk/>
           <pc:sldMk cId="2113480470" sldId="258"/>
@@ -184,7 +189,7 @@
           </ac:spMkLst>
         </pc:spChg>
         <pc:spChg chg="del">
-          <ac:chgData name="Zhihao Zhao" userId="25f230c4-357c-44aa-9f56-3a1d9de1528e" providerId="ADAL" clId="{89FB8CAE-E909-4A1B-AC27-F9CC9CF6CE03}" dt="2018-02-09T03:16:30.328" v="71"/>
+          <ac:chgData name="Zhihao Zhao" userId="25f230c4-357c-44aa-9f56-3a1d9de1528e" providerId="ADAL" clId="{89FB8CAE-E909-4A1B-AC27-F9CC9CF6CE03}" dt="2018-02-09T03:16:30.328" v="71" actId="20577"/>
           <ac:spMkLst>
             <pc:docMk/>
             <pc:sldMk cId="2113480470" sldId="258"/>
@@ -192,7 +197,7 @@
           </ac:spMkLst>
         </pc:spChg>
         <pc:spChg chg="add mod">
-          <ac:chgData name="Zhihao Zhao" userId="25f230c4-357c-44aa-9f56-3a1d9de1528e" providerId="ADAL" clId="{89FB8CAE-E909-4A1B-AC27-F9CC9CF6CE03}" dt="2018-02-09T04:25:33.667" v="1129"/>
+          <ac:chgData name="Zhihao Zhao" userId="25f230c4-357c-44aa-9f56-3a1d9de1528e" providerId="ADAL" clId="{89FB8CAE-E909-4A1B-AC27-F9CC9CF6CE03}" dt="2018-02-09T04:25:33.667" v="1129" actId="20577"/>
           <ac:spMkLst>
             <pc:docMk/>
             <pc:sldMk cId="2113480470" sldId="258"/>
@@ -294,7 +299,7 @@
           <pc:sldMk cId="3611827870" sldId="260"/>
         </pc:sldMkLst>
         <pc:spChg chg="add del mod">
-          <ac:chgData name="Zhihao Zhao" userId="25f230c4-357c-44aa-9f56-3a1d9de1528e" providerId="ADAL" clId="{89FB8CAE-E909-4A1B-AC27-F9CC9CF6CE03}" dt="2018-02-09T05:06:11.181" v="1151"/>
+          <ac:chgData name="Zhihao Zhao" userId="25f230c4-357c-44aa-9f56-3a1d9de1528e" providerId="ADAL" clId="{89FB8CAE-E909-4A1B-AC27-F9CC9CF6CE03}" dt="2018-02-09T05:06:11.181" v="1151" actId="14100"/>
           <ac:spMkLst>
             <pc:docMk/>
             <pc:sldMk cId="3611827870" sldId="260"/>
@@ -366,13 +371,13 @@
         </pc:spChg>
       </pc:sldChg>
       <pc:sldChg chg="modSp add">
-        <pc:chgData name="Zhihao Zhao" userId="25f230c4-357c-44aa-9f56-3a1d9de1528e" providerId="ADAL" clId="{89FB8CAE-E909-4A1B-AC27-F9CC9CF6CE03}" dt="2018-02-09T05:34:08.573" v="2057" actId="20577"/>
+        <pc:chgData name="Zhihao Zhao" userId="25f230c4-357c-44aa-9f56-3a1d9de1528e" providerId="ADAL" clId="{89FB8CAE-E909-4A1B-AC27-F9CC9CF6CE03}" dt="2018-02-27T07:28:10.267" v="2086"/>
         <pc:sldMkLst>
           <pc:docMk/>
           <pc:sldMk cId="1172367075" sldId="262"/>
         </pc:sldMkLst>
         <pc:spChg chg="mod">
-          <ac:chgData name="Zhihao Zhao" userId="25f230c4-357c-44aa-9f56-3a1d9de1528e" providerId="ADAL" clId="{89FB8CAE-E909-4A1B-AC27-F9CC9CF6CE03}" dt="2018-02-09T05:28:08.159" v="1708"/>
+          <ac:chgData name="Zhihao Zhao" userId="25f230c4-357c-44aa-9f56-3a1d9de1528e" providerId="ADAL" clId="{89FB8CAE-E909-4A1B-AC27-F9CC9CF6CE03}" dt="2018-02-09T05:28:08.159" v="1708" actId="20577"/>
           <ac:spMkLst>
             <pc:docMk/>
             <pc:sldMk cId="1172367075" sldId="262"/>
@@ -380,7 +385,7 @@
           </ac:spMkLst>
         </pc:spChg>
         <pc:spChg chg="mod">
-          <ac:chgData name="Zhihao Zhao" userId="25f230c4-357c-44aa-9f56-3a1d9de1528e" providerId="ADAL" clId="{89FB8CAE-E909-4A1B-AC27-F9CC9CF6CE03}" dt="2018-02-09T05:34:08.573" v="2057" actId="20577"/>
+          <ac:chgData name="Zhihao Zhao" userId="25f230c4-357c-44aa-9f56-3a1d9de1528e" providerId="ADAL" clId="{89FB8CAE-E909-4A1B-AC27-F9CC9CF6CE03}" dt="2018-02-27T07:28:10.267" v="2086"/>
           <ac:spMkLst>
             <pc:docMk/>
             <pc:sldMk cId="1172367075" sldId="262"/>
@@ -555,7 +560,7 @@
           <a:p>
             <a:fld id="{1DEF79C8-46E7-4837-AEDB-21E6B1A6460A}" type="datetimeFigureOut">
               <a:rPr lang="en-US" smtClean="0"/>
-              <a:t>2/8/2018</a:t>
+              <a:t>2/27/2018</a:t>
             </a:fld>
             <a:endParaRPr lang="en-US"/>
           </a:p>
@@ -753,7 +758,7 @@
           <a:p>
             <a:fld id="{1DEF79C8-46E7-4837-AEDB-21E6B1A6460A}" type="datetimeFigureOut">
               <a:rPr lang="en-US" smtClean="0"/>
-              <a:t>2/8/2018</a:t>
+              <a:t>2/27/2018</a:t>
             </a:fld>
             <a:endParaRPr lang="en-US"/>
           </a:p>
@@ -961,7 +966,7 @@
           <a:p>
             <a:fld id="{1DEF79C8-46E7-4837-AEDB-21E6B1A6460A}" type="datetimeFigureOut">
               <a:rPr lang="en-US" smtClean="0"/>
-              <a:t>2/8/2018</a:t>
+              <a:t>2/27/2018</a:t>
             </a:fld>
             <a:endParaRPr lang="en-US"/>
           </a:p>
@@ -1159,7 +1164,7 @@
           <a:p>
             <a:fld id="{1DEF79C8-46E7-4837-AEDB-21E6B1A6460A}" type="datetimeFigureOut">
               <a:rPr lang="en-US" smtClean="0"/>
-              <a:t>2/8/2018</a:t>
+              <a:t>2/27/2018</a:t>
             </a:fld>
             <a:endParaRPr lang="en-US"/>
           </a:p>
@@ -1434,7 +1439,7 @@
           <a:p>
             <a:fld id="{1DEF79C8-46E7-4837-AEDB-21E6B1A6460A}" type="datetimeFigureOut">
               <a:rPr lang="en-US" smtClean="0"/>
-              <a:t>2/8/2018</a:t>
+              <a:t>2/27/2018</a:t>
             </a:fld>
             <a:endParaRPr lang="en-US"/>
           </a:p>
@@ -1699,7 +1704,7 @@
           <a:p>
             <a:fld id="{1DEF79C8-46E7-4837-AEDB-21E6B1A6460A}" type="datetimeFigureOut">
               <a:rPr lang="en-US" smtClean="0"/>
-              <a:t>2/8/2018</a:t>
+              <a:t>2/27/2018</a:t>
             </a:fld>
             <a:endParaRPr lang="en-US"/>
           </a:p>
@@ -2111,7 +2116,7 @@
           <a:p>
             <a:fld id="{1DEF79C8-46E7-4837-AEDB-21E6B1A6460A}" type="datetimeFigureOut">
               <a:rPr lang="en-US" smtClean="0"/>
-              <a:t>2/8/2018</a:t>
+              <a:t>2/27/2018</a:t>
             </a:fld>
             <a:endParaRPr lang="en-US"/>
           </a:p>
@@ -2252,7 +2257,7 @@
           <a:p>
             <a:fld id="{1DEF79C8-46E7-4837-AEDB-21E6B1A6460A}" type="datetimeFigureOut">
               <a:rPr lang="en-US" smtClean="0"/>
-              <a:t>2/8/2018</a:t>
+              <a:t>2/27/2018</a:t>
             </a:fld>
             <a:endParaRPr lang="en-US"/>
           </a:p>
@@ -2365,7 +2370,7 @@
           <a:p>
             <a:fld id="{1DEF79C8-46E7-4837-AEDB-21E6B1A6460A}" type="datetimeFigureOut">
               <a:rPr lang="en-US" smtClean="0"/>
-              <a:t>2/8/2018</a:t>
+              <a:t>2/27/2018</a:t>
             </a:fld>
             <a:endParaRPr lang="en-US"/>
           </a:p>
@@ -2676,7 +2681,7 @@
           <a:p>
             <a:fld id="{1DEF79C8-46E7-4837-AEDB-21E6B1A6460A}" type="datetimeFigureOut">
               <a:rPr lang="en-US" smtClean="0"/>
-              <a:t>2/8/2018</a:t>
+              <a:t>2/27/2018</a:t>
             </a:fld>
             <a:endParaRPr lang="en-US"/>
           </a:p>
@@ -2964,7 +2969,7 @@
           <a:p>
             <a:fld id="{1DEF79C8-46E7-4837-AEDB-21E6B1A6460A}" type="datetimeFigureOut">
               <a:rPr lang="en-US" smtClean="0"/>
-              <a:t>2/8/2018</a:t>
+              <a:t>2/27/2018</a:t>
             </a:fld>
             <a:endParaRPr lang="en-US"/>
           </a:p>
@@ -3205,7 +3210,7 @@
           <a:p>
             <a:fld id="{1DEF79C8-46E7-4837-AEDB-21E6B1A6460A}" type="datetimeFigureOut">
               <a:rPr lang="en-US" smtClean="0"/>
-              <a:t>2/8/2018</a:t>
+              <a:t>2/27/2018</a:t>
             </a:fld>
             <a:endParaRPr lang="en-US"/>
           </a:p>
@@ -3997,8 +4002,8 @@
           <a:chExt cx="0" cy="0"/>
         </a:xfrm>
       </p:grpSpPr>
-      <mc:AlternateContent xmlns:mc="http://schemas.openxmlformats.org/markup-compatibility/2006">
-        <mc:Choice xmlns:a14="http://schemas.microsoft.com/office/drawing/2010/main" Requires="a14">
+      <mc:AlternateContent xmlns:mc="http://schemas.openxmlformats.org/markup-compatibility/2006" xmlns:a14="http://schemas.microsoft.com/office/drawing/2010/main">
+        <mc:Choice Requires="a14">
           <p:sp>
             <p:nvSpPr>
               <p:cNvPr id="6" name="Content Placeholder 5">
@@ -4594,7 +4599,7 @@
             </p:txBody>
           </p:sp>
         </mc:Choice>
-        <mc:Fallback>
+        <mc:Fallback xmlns="">
           <p:sp>
             <p:nvSpPr>
               <p:cNvPr id="6" name="Content Placeholder 5">
@@ -4988,6 +4993,22 @@
               <a:rPr lang="fi-FI" sz="2000" dirty="0"/>
               <a:t>    1522 fps on MOT17 dataset. Note in MOT17, obejects are 2~3 order of magnitudes.</a:t>
             </a:r>
+          </a:p>
+          <a:p>
+            <a:r>
+              <a:rPr lang="en-US" altLang="zh-CN" sz="2000" dirty="0"/>
+              <a:t>Code</a:t>
+            </a:r>
+          </a:p>
+          <a:p>
+            <a:pPr marL="0" indent="0">
+              <a:buNone/>
+            </a:pPr>
+            <a:r>
+              <a:rPr lang="en-US" sz="2000" dirty="0"/>
+              <a:t>    https://github.com/bochinski/iou-tracker</a:t>
+            </a:r>
+            <a:endParaRPr lang="fi-FI" sz="2000" dirty="0"/>
           </a:p>
           <a:p>
             <a:r>
